--- a/part3/Figures/graph-arraylist.pptx
+++ b/part3/Figures/graph-arraylist.pptx
@@ -288,7 +288,8 @@
           <a:p>
             <a:fld id="{3D7BA643-B6E4-5F47-8F97-5B8A5CDFA610}" type="datetimeFigureOut">
               <a:rPr lang="en-US" smtClean="0"/>
-              <a:t>4/20/10</a:t>
+              <a:pPr/>
+              <a:t>5/4/10</a:t>
             </a:fld>
             <a:endParaRPr lang="en-US"/>
           </a:p>
@@ -330,6 +331,7 @@
           <a:p>
             <a:fld id="{B6D880B0-D896-B448-AD62-E3A08F4BBC35}" type="slidenum">
               <a:rPr lang="en-US" smtClean="0"/>
+              <a:pPr/>
               <a:t>‹#›</a:t>
             </a:fld>
             <a:endParaRPr lang="en-US"/>
@@ -453,7 +455,8 @@
           <a:p>
             <a:fld id="{3D7BA643-B6E4-5F47-8F97-5B8A5CDFA610}" type="datetimeFigureOut">
               <a:rPr lang="en-US" smtClean="0"/>
-              <a:t>4/20/10</a:t>
+              <a:pPr/>
+              <a:t>5/4/10</a:t>
             </a:fld>
             <a:endParaRPr lang="en-US"/>
           </a:p>
@@ -495,6 +498,7 @@
           <a:p>
             <a:fld id="{B6D880B0-D896-B448-AD62-E3A08F4BBC35}" type="slidenum">
               <a:rPr lang="en-US" smtClean="0"/>
+              <a:pPr/>
               <a:t>‹#›</a:t>
             </a:fld>
             <a:endParaRPr lang="en-US"/>
@@ -628,7 +632,8 @@
           <a:p>
             <a:fld id="{3D7BA643-B6E4-5F47-8F97-5B8A5CDFA610}" type="datetimeFigureOut">
               <a:rPr lang="en-US" smtClean="0"/>
-              <a:t>4/20/10</a:t>
+              <a:pPr/>
+              <a:t>5/4/10</a:t>
             </a:fld>
             <a:endParaRPr lang="en-US"/>
           </a:p>
@@ -670,6 +675,7 @@
           <a:p>
             <a:fld id="{B6D880B0-D896-B448-AD62-E3A08F4BBC35}" type="slidenum">
               <a:rPr lang="en-US" smtClean="0"/>
+              <a:pPr/>
               <a:t>‹#›</a:t>
             </a:fld>
             <a:endParaRPr lang="en-US"/>
@@ -793,7 +799,8 @@
           <a:p>
             <a:fld id="{3D7BA643-B6E4-5F47-8F97-5B8A5CDFA610}" type="datetimeFigureOut">
               <a:rPr lang="en-US" smtClean="0"/>
-              <a:t>4/20/10</a:t>
+              <a:pPr/>
+              <a:t>5/4/10</a:t>
             </a:fld>
             <a:endParaRPr lang="en-US"/>
           </a:p>
@@ -835,6 +842,7 @@
           <a:p>
             <a:fld id="{B6D880B0-D896-B448-AD62-E3A08F4BBC35}" type="slidenum">
               <a:rPr lang="en-US" smtClean="0"/>
+              <a:pPr/>
               <a:t>‹#›</a:t>
             </a:fld>
             <a:endParaRPr lang="en-US"/>
@@ -1034,7 +1042,8 @@
           <a:p>
             <a:fld id="{3D7BA643-B6E4-5F47-8F97-5B8A5CDFA610}" type="datetimeFigureOut">
               <a:rPr lang="en-US" smtClean="0"/>
-              <a:t>4/20/10</a:t>
+              <a:pPr/>
+              <a:t>5/4/10</a:t>
             </a:fld>
             <a:endParaRPr lang="en-US"/>
           </a:p>
@@ -1076,6 +1085,7 @@
           <a:p>
             <a:fld id="{B6D880B0-D896-B448-AD62-E3A08F4BBC35}" type="slidenum">
               <a:rPr lang="en-US" smtClean="0"/>
+              <a:pPr/>
               <a:t>‹#›</a:t>
             </a:fld>
             <a:endParaRPr lang="en-US"/>
@@ -1317,7 +1327,8 @@
           <a:p>
             <a:fld id="{3D7BA643-B6E4-5F47-8F97-5B8A5CDFA610}" type="datetimeFigureOut">
               <a:rPr lang="en-US" smtClean="0"/>
-              <a:t>4/20/10</a:t>
+              <a:pPr/>
+              <a:t>5/4/10</a:t>
             </a:fld>
             <a:endParaRPr lang="en-US"/>
           </a:p>
@@ -1359,6 +1370,7 @@
           <a:p>
             <a:fld id="{B6D880B0-D896-B448-AD62-E3A08F4BBC35}" type="slidenum">
               <a:rPr lang="en-US" smtClean="0"/>
+              <a:pPr/>
               <a:t>‹#›</a:t>
             </a:fld>
             <a:endParaRPr lang="en-US"/>
@@ -1734,7 +1746,8 @@
           <a:p>
             <a:fld id="{3D7BA643-B6E4-5F47-8F97-5B8A5CDFA610}" type="datetimeFigureOut">
               <a:rPr lang="en-US" smtClean="0"/>
-              <a:t>4/20/10</a:t>
+              <a:pPr/>
+              <a:t>5/4/10</a:t>
             </a:fld>
             <a:endParaRPr lang="en-US"/>
           </a:p>
@@ -1776,6 +1789,7 @@
           <a:p>
             <a:fld id="{B6D880B0-D896-B448-AD62-E3A08F4BBC35}" type="slidenum">
               <a:rPr lang="en-US" smtClean="0"/>
+              <a:pPr/>
               <a:t>‹#›</a:t>
             </a:fld>
             <a:endParaRPr lang="en-US"/>
@@ -1847,7 +1861,8 @@
           <a:p>
             <a:fld id="{3D7BA643-B6E4-5F47-8F97-5B8A5CDFA610}" type="datetimeFigureOut">
               <a:rPr lang="en-US" smtClean="0"/>
-              <a:t>4/20/10</a:t>
+              <a:pPr/>
+              <a:t>5/4/10</a:t>
             </a:fld>
             <a:endParaRPr lang="en-US"/>
           </a:p>
@@ -1889,6 +1904,7 @@
           <a:p>
             <a:fld id="{B6D880B0-D896-B448-AD62-E3A08F4BBC35}" type="slidenum">
               <a:rPr lang="en-US" smtClean="0"/>
+              <a:pPr/>
               <a:t>‹#›</a:t>
             </a:fld>
             <a:endParaRPr lang="en-US"/>
@@ -1937,7 +1953,8 @@
           <a:p>
             <a:fld id="{3D7BA643-B6E4-5F47-8F97-5B8A5CDFA610}" type="datetimeFigureOut">
               <a:rPr lang="en-US" smtClean="0"/>
-              <a:t>4/20/10</a:t>
+              <a:pPr/>
+              <a:t>5/4/10</a:t>
             </a:fld>
             <a:endParaRPr lang="en-US"/>
           </a:p>
@@ -1979,6 +1996,7 @@
           <a:p>
             <a:fld id="{B6D880B0-D896-B448-AD62-E3A08F4BBC35}" type="slidenum">
               <a:rPr lang="en-US" smtClean="0"/>
+              <a:pPr/>
               <a:t>‹#›</a:t>
             </a:fld>
             <a:endParaRPr lang="en-US"/>
@@ -2209,7 +2227,8 @@
           <a:p>
             <a:fld id="{3D7BA643-B6E4-5F47-8F97-5B8A5CDFA610}" type="datetimeFigureOut">
               <a:rPr lang="en-US" smtClean="0"/>
-              <a:t>4/20/10</a:t>
+              <a:pPr/>
+              <a:t>5/4/10</a:t>
             </a:fld>
             <a:endParaRPr lang="en-US"/>
           </a:p>
@@ -2251,6 +2270,7 @@
           <a:p>
             <a:fld id="{B6D880B0-D896-B448-AD62-E3A08F4BBC35}" type="slidenum">
               <a:rPr lang="en-US" smtClean="0"/>
+              <a:pPr/>
               <a:t>‹#›</a:t>
             </a:fld>
             <a:endParaRPr lang="en-US"/>
@@ -2457,7 +2477,8 @@
           <a:p>
             <a:fld id="{3D7BA643-B6E4-5F47-8F97-5B8A5CDFA610}" type="datetimeFigureOut">
               <a:rPr lang="en-US" smtClean="0"/>
-              <a:t>4/20/10</a:t>
+              <a:pPr/>
+              <a:t>5/4/10</a:t>
             </a:fld>
             <a:endParaRPr lang="en-US"/>
           </a:p>
@@ -2499,6 +2520,7 @@
           <a:p>
             <a:fld id="{B6D880B0-D896-B448-AD62-E3A08F4BBC35}" type="slidenum">
               <a:rPr lang="en-US" smtClean="0"/>
+              <a:pPr/>
               <a:t>‹#›</a:t>
             </a:fld>
             <a:endParaRPr lang="en-US"/>
@@ -2665,7 +2687,8 @@
           <a:p>
             <a:fld id="{3D7BA643-B6E4-5F47-8F97-5B8A5CDFA610}" type="datetimeFigureOut">
               <a:rPr lang="en-US" smtClean="0"/>
-              <a:t>4/20/10</a:t>
+              <a:pPr/>
+              <a:t>5/4/10</a:t>
             </a:fld>
             <a:endParaRPr lang="en-US"/>
           </a:p>
@@ -2743,6 +2766,7 @@
           <a:p>
             <a:fld id="{B6D880B0-D896-B448-AD62-E3A08F4BBC35}" type="slidenum">
               <a:rPr lang="en-US" smtClean="0"/>
+              <a:pPr/>
               <a:t>‹#›</a:t>
             </a:fld>
             <a:endParaRPr lang="en-US"/>
@@ -3422,11 +3446,7 @@
           <a:p>
             <a:r>
               <a:rPr lang="en-US" sz="1400" i="1" dirty="0" smtClean="0"/>
-              <a:t>x400,000 =</a:t>
-            </a:r>
-            <a:r>
-              <a:rPr lang="en-US" sz="1400" i="1" dirty="0" smtClean="0"/>
-              <a:t> 30.5MB</a:t>
+              <a:t>x400,000 = 30.5MB</a:t>
             </a:r>
             <a:endParaRPr lang="en-US" sz="1400" i="1" dirty="0"/>
           </a:p>
@@ -3466,11 +3486,7 @@
             </a:r>
             <a:r>
               <a:rPr lang="en-US" sz="1400" i="1" dirty="0" smtClean="0"/>
-              <a:t>400,000 = </a:t>
-            </a:r>
-            <a:r>
-              <a:rPr lang="en-US" sz="1400" i="1" dirty="0" smtClean="0"/>
-              <a:t>6.1MB</a:t>
+              <a:t>400,000 = 6.1MB</a:t>
             </a:r>
             <a:endParaRPr lang="en-US" sz="1400" i="1" dirty="0"/>
           </a:p>
@@ -3620,15 +3636,7 @@
           <a:p>
             <a:r>
               <a:rPr lang="en-US" sz="1200" i="1" dirty="0" smtClean="0"/>
-              <a:t>8,0</a:t>
-            </a:r>
-            <a:r>
-              <a:rPr lang="en-US" sz="1200" i="1" dirty="0" smtClean="0"/>
-              <a:t>00,000 </a:t>
-            </a:r>
-            <a:r>
-              <a:rPr lang="en-US" sz="1200" i="1" dirty="0" smtClean="0"/>
-              <a:t>bytes overhead</a:t>
+              <a:t>8,000,000 bytes overhead</a:t>
             </a:r>
             <a:endParaRPr lang="en-US" sz="1200" i="1" dirty="0"/>
           </a:p>
@@ -3850,11 +3858,7 @@
             </a:r>
             <a:r>
               <a:rPr lang="en-US" sz="1400" i="1" dirty="0" smtClean="0"/>
-              <a:t>800,000 =</a:t>
-            </a:r>
-            <a:r>
-              <a:rPr lang="en-US" sz="1400" i="1" dirty="0" smtClean="0"/>
-              <a:t> 3.05MB</a:t>
+              <a:t>800,000 = 3.05MB</a:t>
             </a:r>
             <a:endParaRPr lang="en-US" sz="1400" i="1" dirty="0"/>
           </a:p>
@@ -4048,7 +4052,7 @@
         <p:spPr>
           <a:xfrm>
             <a:off x="914400" y="4411418"/>
-            <a:ext cx="2020755" cy="276999"/>
+            <a:ext cx="2074556" cy="830997"/>
           </a:xfrm>
           <a:prstGeom prst="rect">
             <a:avLst/>
@@ -4063,15 +4067,34 @@
           <a:p>
             <a:r>
               <a:rPr lang="en-US" sz="1200" i="1" dirty="0" err="1" smtClean="0"/>
-              <a:t>HashSet</a:t>
+              <a:t>ArrayList</a:t>
             </a:r>
             <a:r>
               <a:rPr lang="en-US" sz="1200" i="1" dirty="0" smtClean="0"/>
-              <a:t> bloat factor </a:t>
-            </a:r>
-            <a:r>
-              <a:rPr lang="en-US" sz="1200" i="1" smtClean="0"/>
-              <a:t>= 96.7%</a:t>
+              <a:t> total size = 47.28MB</a:t>
+            </a:r>
+          </a:p>
+          <a:p>
+            <a:r>
+              <a:rPr lang="en-US" sz="1200" i="1" dirty="0" smtClean="0"/>
+              <a:t>Savings:  24%</a:t>
+            </a:r>
+          </a:p>
+          <a:p>
+            <a:endParaRPr lang="en-US" sz="1200" i="1" dirty="0" smtClean="0"/>
+          </a:p>
+          <a:p>
+            <a:r>
+              <a:rPr lang="en-US" sz="1200" i="1" dirty="0" err="1" smtClean="0"/>
+              <a:t>ArrayList</a:t>
+            </a:r>
+            <a:r>
+              <a:rPr lang="en-US" sz="1200" i="1" dirty="0" smtClean="0"/>
+              <a:t> </a:t>
+            </a:r>
+            <a:r>
+              <a:rPr lang="en-US" sz="1200" i="1" dirty="0" smtClean="0"/>
+              <a:t>bloat factor = 96.7%</a:t>
             </a:r>
             <a:endParaRPr lang="en-US" sz="1200" i="1" dirty="0"/>
           </a:p>

--- a/part3/Figures/graph-arraylist.pptx
+++ b/part3/Figures/graph-arraylist.pptx
@@ -289,7 +289,7 @@
             <a:fld id="{3D7BA643-B6E4-5F47-8F97-5B8A5CDFA610}" type="datetimeFigureOut">
               <a:rPr lang="en-US" smtClean="0"/>
               <a:pPr/>
-              <a:t>5/4/10</a:t>
+              <a:t>8/20/10</a:t>
             </a:fld>
             <a:endParaRPr lang="en-US"/>
           </a:p>
@@ -456,7 +456,7 @@
             <a:fld id="{3D7BA643-B6E4-5F47-8F97-5B8A5CDFA610}" type="datetimeFigureOut">
               <a:rPr lang="en-US" smtClean="0"/>
               <a:pPr/>
-              <a:t>5/4/10</a:t>
+              <a:t>8/20/10</a:t>
             </a:fld>
             <a:endParaRPr lang="en-US"/>
           </a:p>
@@ -633,7 +633,7 @@
             <a:fld id="{3D7BA643-B6E4-5F47-8F97-5B8A5CDFA610}" type="datetimeFigureOut">
               <a:rPr lang="en-US" smtClean="0"/>
               <a:pPr/>
-              <a:t>5/4/10</a:t>
+              <a:t>8/20/10</a:t>
             </a:fld>
             <a:endParaRPr lang="en-US"/>
           </a:p>
@@ -800,7 +800,7 @@
             <a:fld id="{3D7BA643-B6E4-5F47-8F97-5B8A5CDFA610}" type="datetimeFigureOut">
               <a:rPr lang="en-US" smtClean="0"/>
               <a:pPr/>
-              <a:t>5/4/10</a:t>
+              <a:t>8/20/10</a:t>
             </a:fld>
             <a:endParaRPr lang="en-US"/>
           </a:p>
@@ -1043,7 +1043,7 @@
             <a:fld id="{3D7BA643-B6E4-5F47-8F97-5B8A5CDFA610}" type="datetimeFigureOut">
               <a:rPr lang="en-US" smtClean="0"/>
               <a:pPr/>
-              <a:t>5/4/10</a:t>
+              <a:t>8/20/10</a:t>
             </a:fld>
             <a:endParaRPr lang="en-US"/>
           </a:p>
@@ -1328,7 +1328,7 @@
             <a:fld id="{3D7BA643-B6E4-5F47-8F97-5B8A5CDFA610}" type="datetimeFigureOut">
               <a:rPr lang="en-US" smtClean="0"/>
               <a:pPr/>
-              <a:t>5/4/10</a:t>
+              <a:t>8/20/10</a:t>
             </a:fld>
             <a:endParaRPr lang="en-US"/>
           </a:p>
@@ -1747,7 +1747,7 @@
             <a:fld id="{3D7BA643-B6E4-5F47-8F97-5B8A5CDFA610}" type="datetimeFigureOut">
               <a:rPr lang="en-US" smtClean="0"/>
               <a:pPr/>
-              <a:t>5/4/10</a:t>
+              <a:t>8/20/10</a:t>
             </a:fld>
             <a:endParaRPr lang="en-US"/>
           </a:p>
@@ -1862,7 +1862,7 @@
             <a:fld id="{3D7BA643-B6E4-5F47-8F97-5B8A5CDFA610}" type="datetimeFigureOut">
               <a:rPr lang="en-US" smtClean="0"/>
               <a:pPr/>
-              <a:t>5/4/10</a:t>
+              <a:t>8/20/10</a:t>
             </a:fld>
             <a:endParaRPr lang="en-US"/>
           </a:p>
@@ -1954,7 +1954,7 @@
             <a:fld id="{3D7BA643-B6E4-5F47-8F97-5B8A5CDFA610}" type="datetimeFigureOut">
               <a:rPr lang="en-US" smtClean="0"/>
               <a:pPr/>
-              <a:t>5/4/10</a:t>
+              <a:t>8/20/10</a:t>
             </a:fld>
             <a:endParaRPr lang="en-US"/>
           </a:p>
@@ -2228,7 +2228,7 @@
             <a:fld id="{3D7BA643-B6E4-5F47-8F97-5B8A5CDFA610}" type="datetimeFigureOut">
               <a:rPr lang="en-US" smtClean="0"/>
               <a:pPr/>
-              <a:t>5/4/10</a:t>
+              <a:t>8/20/10</a:t>
             </a:fld>
             <a:endParaRPr lang="en-US"/>
           </a:p>
@@ -2478,7 +2478,7 @@
             <a:fld id="{3D7BA643-B6E4-5F47-8F97-5B8A5CDFA610}" type="datetimeFigureOut">
               <a:rPr lang="en-US" smtClean="0"/>
               <a:pPr/>
-              <a:t>5/4/10</a:t>
+              <a:t>8/20/10</a:t>
             </a:fld>
             <a:endParaRPr lang="en-US"/>
           </a:p>
@@ -2688,7 +2688,7 @@
             <a:fld id="{3D7BA643-B6E4-5F47-8F97-5B8A5CDFA610}" type="datetimeFigureOut">
               <a:rPr lang="en-US" smtClean="0"/>
               <a:pPr/>
-              <a:t>5/4/10</a:t>
+              <a:t>8/20/10</a:t>
             </a:fld>
             <a:endParaRPr lang="en-US"/>
           </a:p>
@@ -3419,8 +3419,8 @@
         </p:nvSpPr>
         <p:spPr>
           <a:xfrm>
-            <a:off x="4013213" y="4411418"/>
-            <a:ext cx="1636899" cy="523220"/>
+            <a:off x="3918366" y="4411418"/>
+            <a:ext cx="1818890" cy="523220"/>
           </a:xfrm>
           <a:prstGeom prst="rect">
             <a:avLst/>
@@ -3446,7 +3446,11 @@
           <a:p>
             <a:r>
               <a:rPr lang="en-US" sz="1400" i="1" dirty="0" smtClean="0"/>
-              <a:t>x400,000 = 30.5MB</a:t>
+              <a:t>x400,000 = </a:t>
+            </a:r>
+            <a:r>
+              <a:rPr lang="en-US" sz="1400" i="1" dirty="0" smtClean="0"/>
+              <a:t>30.517MB</a:t>
             </a:r>
             <a:endParaRPr lang="en-US" sz="1400" i="1" dirty="0"/>
           </a:p>
@@ -3460,8 +3464,8 @@
         </p:nvSpPr>
         <p:spPr>
           <a:xfrm>
-            <a:off x="4055001" y="3114290"/>
-            <a:ext cx="1586492" cy="523220"/>
+            <a:off x="3984300" y="3114290"/>
+            <a:ext cx="1727894" cy="523220"/>
           </a:xfrm>
           <a:prstGeom prst="rect">
             <a:avLst/>
@@ -3486,7 +3490,11 @@
             </a:r>
             <a:r>
               <a:rPr lang="en-US" sz="1400" i="1" dirty="0" smtClean="0"/>
-              <a:t>400,000 = 6.1MB</a:t>
+              <a:t>400,000 = </a:t>
+            </a:r>
+            <a:r>
+              <a:rPr lang="en-US" sz="1400" i="1" dirty="0" smtClean="0"/>
+              <a:t>6.103MB</a:t>
             </a:r>
             <a:endParaRPr lang="en-US" sz="1400" i="1" dirty="0"/>
           </a:p>
@@ -3724,7 +3732,7 @@
         <p:spPr>
           <a:xfrm>
             <a:off x="4055001" y="1672438"/>
-            <a:ext cx="1563887" cy="523220"/>
+            <a:ext cx="1745878" cy="523220"/>
           </a:xfrm>
           <a:prstGeom prst="rect">
             <a:avLst/>
@@ -3750,7 +3758,11 @@
           <a:p>
             <a:r>
               <a:rPr lang="en-US" sz="1400" i="1" dirty="0" smtClean="0"/>
-              <a:t>X100,000 = 7.6MB</a:t>
+              <a:t>X100,000 = </a:t>
+            </a:r>
+            <a:r>
+              <a:rPr lang="en-US" sz="1400" i="1" dirty="0" smtClean="0"/>
+              <a:t>7.629MB</a:t>
             </a:r>
             <a:endParaRPr lang="en-US" sz="1400" i="1" dirty="0"/>
           </a:p>
@@ -3832,8 +3844,8 @@
         </p:nvSpPr>
         <p:spPr>
           <a:xfrm>
-            <a:off x="4055001" y="5688265"/>
-            <a:ext cx="1667218" cy="523220"/>
+            <a:off x="3903206" y="5688265"/>
+            <a:ext cx="1849209" cy="523220"/>
           </a:xfrm>
           <a:prstGeom prst="rect">
             <a:avLst/>
@@ -3858,7 +3870,19 @@
             </a:r>
             <a:r>
               <a:rPr lang="en-US" sz="1400" i="1" dirty="0" smtClean="0"/>
-              <a:t>800,000 = 3.05MB</a:t>
+              <a:t>800,000 =</a:t>
+            </a:r>
+            <a:r>
+              <a:rPr lang="en-US" sz="1400" i="1" dirty="0" smtClean="0"/>
+              <a:t> </a:t>
+            </a:r>
+            <a:r>
+              <a:rPr lang="en-US" sz="1400" i="1" dirty="0" smtClean="0"/>
+              <a:t>12.207</a:t>
+            </a:r>
+            <a:r>
+              <a:rPr lang="en-US" sz="1400" i="1" dirty="0" smtClean="0"/>
+              <a:t>MB</a:t>
             </a:r>
             <a:endParaRPr lang="en-US" sz="1400" i="1" dirty="0"/>
           </a:p>
@@ -3872,8 +3896,8 @@
         </p:nvSpPr>
         <p:spPr>
           <a:xfrm>
-            <a:off x="4034565" y="5688265"/>
-            <a:ext cx="1586492" cy="593704"/>
+            <a:off x="3953906" y="5688265"/>
+            <a:ext cx="1783350" cy="593704"/>
           </a:xfrm>
           <a:prstGeom prst="rect">
             <a:avLst/>
@@ -3918,9 +3942,9 @@
           <p:nvPr/>
         </p:nvCxnSpPr>
         <p:spPr>
-          <a:xfrm rot="5400000">
-            <a:off x="4586291" y="5445951"/>
-            <a:ext cx="483834" cy="794"/>
+          <a:xfrm rot="16200000" flipH="1">
+            <a:off x="4595176" y="5437860"/>
+            <a:ext cx="483834" cy="16976"/>
           </a:xfrm>
           <a:prstGeom prst="straightConnector1">
             <a:avLst/>
@@ -4016,7 +4040,7 @@
         <p:spPr>
           <a:xfrm>
             <a:off x="6464646" y="5573763"/>
-            <a:ext cx="1828620" cy="461665"/>
+            <a:ext cx="1828170" cy="461665"/>
           </a:xfrm>
           <a:prstGeom prst="rect">
             <a:avLst/>
@@ -4031,13 +4055,30 @@
           <a:p>
             <a:r>
               <a:rPr lang="en-US" sz="1200" i="1" dirty="0" smtClean="0"/>
-              <a:t>1,600,000 bytes data</a:t>
-            </a:r>
-          </a:p>
-          <a:p>
+              <a:t>3,2</a:t>
+            </a:r>
             <a:r>
               <a:rPr lang="en-US" sz="1200" i="1" dirty="0" smtClean="0"/>
-              <a:t>1.600,000 bytes overhead</a:t>
+              <a:t>00,000 </a:t>
+            </a:r>
+            <a:r>
+              <a:rPr lang="en-US" sz="1200" i="1" dirty="0" smtClean="0"/>
+              <a:t>bytes data</a:t>
+            </a:r>
+            <a:endParaRPr lang="en-US" sz="1200" i="1" dirty="0" smtClean="0"/>
+          </a:p>
+          <a:p>
+            <a:r>
+              <a:rPr lang="en-US" sz="1200" i="1" dirty="0" smtClean="0"/>
+              <a:t>9,6</a:t>
+            </a:r>
+            <a:r>
+              <a:rPr lang="en-US" sz="1200" i="1" dirty="0" smtClean="0"/>
+              <a:t>00,000 </a:t>
+            </a:r>
+            <a:r>
+              <a:rPr lang="en-US" sz="1200" i="1" dirty="0" smtClean="0"/>
+              <a:t>bytes overhead</a:t>
             </a:r>
             <a:endParaRPr lang="en-US" sz="1200" i="1" dirty="0"/>
           </a:p>
@@ -4052,7 +4093,7 @@
         <p:spPr>
           <a:xfrm>
             <a:off x="914400" y="4411418"/>
-            <a:ext cx="2074556" cy="830997"/>
+            <a:ext cx="2152552" cy="830997"/>
           </a:xfrm>
           <a:prstGeom prst="rect">
             <a:avLst/>
@@ -4071,14 +4112,32 @@
             </a:r>
             <a:r>
               <a:rPr lang="en-US" sz="1200" i="1" dirty="0" smtClean="0"/>
-              <a:t> total size = 47.28MB</a:t>
-            </a:r>
-          </a:p>
-          <a:p>
+              <a:t> total size =</a:t>
+            </a:r>
             <a:r>
               <a:rPr lang="en-US" sz="1200" i="1" dirty="0" smtClean="0"/>
-              <a:t>Savings:  24%</a:t>
-            </a:r>
+              <a:t> </a:t>
+            </a:r>
+            <a:r>
+              <a:rPr lang="en-US" sz="1200" i="1" dirty="0" smtClean="0"/>
+              <a:t>56.457</a:t>
+            </a:r>
+            <a:r>
+              <a:rPr lang="en-US" sz="1200" i="1" dirty="0" smtClean="0"/>
+              <a:t>MB</a:t>
+            </a:r>
+            <a:endParaRPr lang="en-US" sz="1200" i="1" dirty="0" smtClean="0"/>
+          </a:p>
+          <a:p>
+            <a:r>
+              <a:rPr lang="en-US" sz="1200" i="1" dirty="0" smtClean="0"/>
+              <a:t>Savings:  </a:t>
+            </a:r>
+            <a:r>
+              <a:rPr lang="en-US" sz="1200" i="1" dirty="0" smtClean="0"/>
+              <a:t>20.4%</a:t>
+            </a:r>
+            <a:endParaRPr lang="en-US" sz="1200" i="1" dirty="0" smtClean="0"/>
           </a:p>
           <a:p>
             <a:endParaRPr lang="en-US" sz="1200" i="1" dirty="0" smtClean="0"/>
@@ -4090,11 +4149,11 @@
             </a:r>
             <a:r>
               <a:rPr lang="en-US" sz="1200" i="1" dirty="0" smtClean="0"/>
-              <a:t> </a:t>
+              <a:t> bloat factor = </a:t>
             </a:r>
             <a:r>
               <a:rPr lang="en-US" sz="1200" i="1" dirty="0" smtClean="0"/>
-              <a:t>bloat factor = 96.7%</a:t>
+              <a:t>94.6%</a:t>
             </a:r>
             <a:endParaRPr lang="en-US" sz="1200" i="1" dirty="0"/>
           </a:p>

--- a/part3/Figures/graph-arraylist.pptx
+++ b/part3/Figures/graph-arraylist.pptx
@@ -289,7 +289,7 @@
             <a:fld id="{3D7BA643-B6E4-5F47-8F97-5B8A5CDFA610}" type="datetimeFigureOut">
               <a:rPr lang="en-US" smtClean="0"/>
               <a:pPr/>
-              <a:t>8/20/10</a:t>
+              <a:t>8/25/10</a:t>
             </a:fld>
             <a:endParaRPr lang="en-US"/>
           </a:p>
@@ -456,7 +456,7 @@
             <a:fld id="{3D7BA643-B6E4-5F47-8F97-5B8A5CDFA610}" type="datetimeFigureOut">
               <a:rPr lang="en-US" smtClean="0"/>
               <a:pPr/>
-              <a:t>8/20/10</a:t>
+              <a:t>8/25/10</a:t>
             </a:fld>
             <a:endParaRPr lang="en-US"/>
           </a:p>
@@ -633,7 +633,7 @@
             <a:fld id="{3D7BA643-B6E4-5F47-8F97-5B8A5CDFA610}" type="datetimeFigureOut">
               <a:rPr lang="en-US" smtClean="0"/>
               <a:pPr/>
-              <a:t>8/20/10</a:t>
+              <a:t>8/25/10</a:t>
             </a:fld>
             <a:endParaRPr lang="en-US"/>
           </a:p>
@@ -800,7 +800,7 @@
             <a:fld id="{3D7BA643-B6E4-5F47-8F97-5B8A5CDFA610}" type="datetimeFigureOut">
               <a:rPr lang="en-US" smtClean="0"/>
               <a:pPr/>
-              <a:t>8/20/10</a:t>
+              <a:t>8/25/10</a:t>
             </a:fld>
             <a:endParaRPr lang="en-US"/>
           </a:p>
@@ -1043,7 +1043,7 @@
             <a:fld id="{3D7BA643-B6E4-5F47-8F97-5B8A5CDFA610}" type="datetimeFigureOut">
               <a:rPr lang="en-US" smtClean="0"/>
               <a:pPr/>
-              <a:t>8/20/10</a:t>
+              <a:t>8/25/10</a:t>
             </a:fld>
             <a:endParaRPr lang="en-US"/>
           </a:p>
@@ -1328,7 +1328,7 @@
             <a:fld id="{3D7BA643-B6E4-5F47-8F97-5B8A5CDFA610}" type="datetimeFigureOut">
               <a:rPr lang="en-US" smtClean="0"/>
               <a:pPr/>
-              <a:t>8/20/10</a:t>
+              <a:t>8/25/10</a:t>
             </a:fld>
             <a:endParaRPr lang="en-US"/>
           </a:p>
@@ -1747,7 +1747,7 @@
             <a:fld id="{3D7BA643-B6E4-5F47-8F97-5B8A5CDFA610}" type="datetimeFigureOut">
               <a:rPr lang="en-US" smtClean="0"/>
               <a:pPr/>
-              <a:t>8/20/10</a:t>
+              <a:t>8/25/10</a:t>
             </a:fld>
             <a:endParaRPr lang="en-US"/>
           </a:p>
@@ -1862,7 +1862,7 @@
             <a:fld id="{3D7BA643-B6E4-5F47-8F97-5B8A5CDFA610}" type="datetimeFigureOut">
               <a:rPr lang="en-US" smtClean="0"/>
               <a:pPr/>
-              <a:t>8/20/10</a:t>
+              <a:t>8/25/10</a:t>
             </a:fld>
             <a:endParaRPr lang="en-US"/>
           </a:p>
@@ -1954,7 +1954,7 @@
             <a:fld id="{3D7BA643-B6E4-5F47-8F97-5B8A5CDFA610}" type="datetimeFigureOut">
               <a:rPr lang="en-US" smtClean="0"/>
               <a:pPr/>
-              <a:t>8/20/10</a:t>
+              <a:t>8/25/10</a:t>
             </a:fld>
             <a:endParaRPr lang="en-US"/>
           </a:p>
@@ -2228,7 +2228,7 @@
             <a:fld id="{3D7BA643-B6E4-5F47-8F97-5B8A5CDFA610}" type="datetimeFigureOut">
               <a:rPr lang="en-US" smtClean="0"/>
               <a:pPr/>
-              <a:t>8/20/10</a:t>
+              <a:t>8/25/10</a:t>
             </a:fld>
             <a:endParaRPr lang="en-US"/>
           </a:p>
@@ -2478,7 +2478,7 @@
             <a:fld id="{3D7BA643-B6E4-5F47-8F97-5B8A5CDFA610}" type="datetimeFigureOut">
               <a:rPr lang="en-US" smtClean="0"/>
               <a:pPr/>
-              <a:t>8/20/10</a:t>
+              <a:t>8/25/10</a:t>
             </a:fld>
             <a:endParaRPr lang="en-US"/>
           </a:p>
@@ -2688,7 +2688,7 @@
             <a:fld id="{3D7BA643-B6E4-5F47-8F97-5B8A5CDFA610}" type="datetimeFigureOut">
               <a:rPr lang="en-US" smtClean="0"/>
               <a:pPr/>
-              <a:t>8/20/10</a:t>
+              <a:t>8/25/10</a:t>
             </a:fld>
             <a:endParaRPr lang="en-US"/>
           </a:p>
@@ -3446,11 +3446,7 @@
           <a:p>
             <a:r>
               <a:rPr lang="en-US" sz="1400" i="1" dirty="0" smtClean="0"/>
-              <a:t>x400,000 = </a:t>
-            </a:r>
-            <a:r>
-              <a:rPr lang="en-US" sz="1400" i="1" dirty="0" smtClean="0"/>
-              <a:t>30.517MB</a:t>
+              <a:t>x400,000 = 30.517MB</a:t>
             </a:r>
             <a:endParaRPr lang="en-US" sz="1400" i="1" dirty="0"/>
           </a:p>
@@ -3490,11 +3486,7 @@
             </a:r>
             <a:r>
               <a:rPr lang="en-US" sz="1400" i="1" dirty="0" smtClean="0"/>
-              <a:t>400,000 = </a:t>
-            </a:r>
-            <a:r>
-              <a:rPr lang="en-US" sz="1400" i="1" dirty="0" smtClean="0"/>
-              <a:t>6.103MB</a:t>
+              <a:t>400,000 = 6.103MB</a:t>
             </a:r>
             <a:endParaRPr lang="en-US" sz="1400" i="1" dirty="0"/>
           </a:p>
@@ -3758,11 +3750,7 @@
           <a:p>
             <a:r>
               <a:rPr lang="en-US" sz="1400" i="1" dirty="0" smtClean="0"/>
-              <a:t>X100,000 = </a:t>
-            </a:r>
-            <a:r>
-              <a:rPr lang="en-US" sz="1400" i="1" dirty="0" smtClean="0"/>
-              <a:t>7.629MB</a:t>
+              <a:t>X100,000 = 7.629MB</a:t>
             </a:r>
             <a:endParaRPr lang="en-US" sz="1400" i="1" dirty="0"/>
           </a:p>
@@ -3870,19 +3858,7 @@
             </a:r>
             <a:r>
               <a:rPr lang="en-US" sz="1400" i="1" dirty="0" smtClean="0"/>
-              <a:t>800,000 =</a:t>
-            </a:r>
-            <a:r>
-              <a:rPr lang="en-US" sz="1400" i="1" dirty="0" smtClean="0"/>
-              <a:t> </a:t>
-            </a:r>
-            <a:r>
-              <a:rPr lang="en-US" sz="1400" i="1" dirty="0" smtClean="0"/>
-              <a:t>12.207</a:t>
-            </a:r>
-            <a:r>
-              <a:rPr lang="en-US" sz="1400" i="1" dirty="0" smtClean="0"/>
-              <a:t>MB</a:t>
+              <a:t>800,000 = 12.207MB</a:t>
             </a:r>
             <a:endParaRPr lang="en-US" sz="1400" i="1" dirty="0"/>
           </a:p>
@@ -4055,30 +4031,13 @@
           <a:p>
             <a:r>
               <a:rPr lang="en-US" sz="1200" i="1" dirty="0" smtClean="0"/>
-              <a:t>3,2</a:t>
-            </a:r>
+              <a:t>3,200,000 bytes data</a:t>
+            </a:r>
+          </a:p>
+          <a:p>
             <a:r>
               <a:rPr lang="en-US" sz="1200" i="1" dirty="0" smtClean="0"/>
-              <a:t>00,000 </a:t>
-            </a:r>
-            <a:r>
-              <a:rPr lang="en-US" sz="1200" i="1" dirty="0" smtClean="0"/>
-              <a:t>bytes data</a:t>
-            </a:r>
-            <a:endParaRPr lang="en-US" sz="1200" i="1" dirty="0" smtClean="0"/>
-          </a:p>
-          <a:p>
-            <a:r>
-              <a:rPr lang="en-US" sz="1200" i="1" dirty="0" smtClean="0"/>
-              <a:t>9,6</a:t>
-            </a:r>
-            <a:r>
-              <a:rPr lang="en-US" sz="1200" i="1" dirty="0" smtClean="0"/>
-              <a:t>00,000 </a:t>
-            </a:r>
-            <a:r>
-              <a:rPr lang="en-US" sz="1200" i="1" dirty="0" smtClean="0"/>
-              <a:t>bytes overhead</a:t>
+              <a:t>9,600,000 bytes overhead</a:t>
             </a:r>
             <a:endParaRPr lang="en-US" sz="1200" i="1" dirty="0"/>
           </a:p>
@@ -4093,7 +4052,7 @@
         <p:spPr>
           <a:xfrm>
             <a:off x="914400" y="4411418"/>
-            <a:ext cx="2152552" cy="830997"/>
+            <a:ext cx="1593580" cy="830997"/>
           </a:xfrm>
           <a:prstGeom prst="rect">
             <a:avLst/>
@@ -4107,53 +4066,39 @@
           <a:lstStyle/>
           <a:p>
             <a:r>
-              <a:rPr lang="en-US" sz="1200" i="1" dirty="0" err="1" smtClean="0"/>
-              <a:t>ArrayList</a:t>
-            </a:r>
-            <a:r>
               <a:rPr lang="en-US" sz="1200" i="1" dirty="0" smtClean="0"/>
-              <a:t> total size =</a:t>
+              <a:t>T</a:t>
             </a:r>
             <a:r>
               <a:rPr lang="en-US" sz="1200" i="1" dirty="0" smtClean="0"/>
-              <a:t> </a:t>
+              <a:t>otal </a:t>
             </a:r>
             <a:r>
               <a:rPr lang="en-US" sz="1200" i="1" dirty="0" smtClean="0"/>
-              <a:t>56.457</a:t>
-            </a:r>
+              <a:t>size = 56.457MB</a:t>
+            </a:r>
+          </a:p>
+          <a:p>
             <a:r>
               <a:rPr lang="en-US" sz="1200" i="1" dirty="0" smtClean="0"/>
-              <a:t>MB</a:t>
-            </a:r>
+              <a:t>Savings:  20.4%</a:t>
+            </a:r>
+          </a:p>
+          <a:p>
             <a:endParaRPr lang="en-US" sz="1200" i="1" dirty="0" smtClean="0"/>
           </a:p>
           <a:p>
             <a:r>
               <a:rPr lang="en-US" sz="1200" i="1" dirty="0" smtClean="0"/>
-              <a:t>Savings:  </a:t>
+              <a:t>B</a:t>
             </a:r>
             <a:r>
               <a:rPr lang="en-US" sz="1200" i="1" dirty="0" smtClean="0"/>
-              <a:t>20.4%</a:t>
-            </a:r>
-            <a:endParaRPr lang="en-US" sz="1200" i="1" dirty="0" smtClean="0"/>
-          </a:p>
-          <a:p>
-            <a:endParaRPr lang="en-US" sz="1200" i="1" dirty="0" smtClean="0"/>
-          </a:p>
-          <a:p>
-            <a:r>
-              <a:rPr lang="en-US" sz="1200" i="1" dirty="0" err="1" smtClean="0"/>
-              <a:t>ArrayList</a:t>
+              <a:t>loat </a:t>
             </a:r>
             <a:r>
               <a:rPr lang="en-US" sz="1200" i="1" dirty="0" smtClean="0"/>
-              <a:t> bloat factor = </a:t>
-            </a:r>
-            <a:r>
-              <a:rPr lang="en-US" sz="1200" i="1" dirty="0" smtClean="0"/>
-              <a:t>94.6%</a:t>
+              <a:t>factor = 94.6%</a:t>
             </a:r>
             <a:endParaRPr lang="en-US" sz="1200" i="1" dirty="0"/>
           </a:p>

--- a/part3/Figures/graph-arraylist.pptx
+++ b/part3/Figures/graph-arraylist.pptx
@@ -289,7 +289,7 @@
             <a:fld id="{3D7BA643-B6E4-5F47-8F97-5B8A5CDFA610}" type="datetimeFigureOut">
               <a:rPr lang="en-US" smtClean="0"/>
               <a:pPr/>
-              <a:t>8/25/10</a:t>
+              <a:t>8/31/10</a:t>
             </a:fld>
             <a:endParaRPr lang="en-US"/>
           </a:p>
@@ -456,7 +456,7 @@
             <a:fld id="{3D7BA643-B6E4-5F47-8F97-5B8A5CDFA610}" type="datetimeFigureOut">
               <a:rPr lang="en-US" smtClean="0"/>
               <a:pPr/>
-              <a:t>8/25/10</a:t>
+              <a:t>8/31/10</a:t>
             </a:fld>
             <a:endParaRPr lang="en-US"/>
           </a:p>
@@ -633,7 +633,7 @@
             <a:fld id="{3D7BA643-B6E4-5F47-8F97-5B8A5CDFA610}" type="datetimeFigureOut">
               <a:rPr lang="en-US" smtClean="0"/>
               <a:pPr/>
-              <a:t>8/25/10</a:t>
+              <a:t>8/31/10</a:t>
             </a:fld>
             <a:endParaRPr lang="en-US"/>
           </a:p>
@@ -800,7 +800,7 @@
             <a:fld id="{3D7BA643-B6E4-5F47-8F97-5B8A5CDFA610}" type="datetimeFigureOut">
               <a:rPr lang="en-US" smtClean="0"/>
               <a:pPr/>
-              <a:t>8/25/10</a:t>
+              <a:t>8/31/10</a:t>
             </a:fld>
             <a:endParaRPr lang="en-US"/>
           </a:p>
@@ -1043,7 +1043,7 @@
             <a:fld id="{3D7BA643-B6E4-5F47-8F97-5B8A5CDFA610}" type="datetimeFigureOut">
               <a:rPr lang="en-US" smtClean="0"/>
               <a:pPr/>
-              <a:t>8/25/10</a:t>
+              <a:t>8/31/10</a:t>
             </a:fld>
             <a:endParaRPr lang="en-US"/>
           </a:p>
@@ -1328,7 +1328,7 @@
             <a:fld id="{3D7BA643-B6E4-5F47-8F97-5B8A5CDFA610}" type="datetimeFigureOut">
               <a:rPr lang="en-US" smtClean="0"/>
               <a:pPr/>
-              <a:t>8/25/10</a:t>
+              <a:t>8/31/10</a:t>
             </a:fld>
             <a:endParaRPr lang="en-US"/>
           </a:p>
@@ -1747,7 +1747,7 @@
             <a:fld id="{3D7BA643-B6E4-5F47-8F97-5B8A5CDFA610}" type="datetimeFigureOut">
               <a:rPr lang="en-US" smtClean="0"/>
               <a:pPr/>
-              <a:t>8/25/10</a:t>
+              <a:t>8/31/10</a:t>
             </a:fld>
             <a:endParaRPr lang="en-US"/>
           </a:p>
@@ -1862,7 +1862,7 @@
             <a:fld id="{3D7BA643-B6E4-5F47-8F97-5B8A5CDFA610}" type="datetimeFigureOut">
               <a:rPr lang="en-US" smtClean="0"/>
               <a:pPr/>
-              <a:t>8/25/10</a:t>
+              <a:t>8/31/10</a:t>
             </a:fld>
             <a:endParaRPr lang="en-US"/>
           </a:p>
@@ -1954,7 +1954,7 @@
             <a:fld id="{3D7BA643-B6E4-5F47-8F97-5B8A5CDFA610}" type="datetimeFigureOut">
               <a:rPr lang="en-US" smtClean="0"/>
               <a:pPr/>
-              <a:t>8/25/10</a:t>
+              <a:t>8/31/10</a:t>
             </a:fld>
             <a:endParaRPr lang="en-US"/>
           </a:p>
@@ -2228,7 +2228,7 @@
             <a:fld id="{3D7BA643-B6E4-5F47-8F97-5B8A5CDFA610}" type="datetimeFigureOut">
               <a:rPr lang="en-US" smtClean="0"/>
               <a:pPr/>
-              <a:t>8/25/10</a:t>
+              <a:t>8/31/10</a:t>
             </a:fld>
             <a:endParaRPr lang="en-US"/>
           </a:p>
@@ -2478,7 +2478,7 @@
             <a:fld id="{3D7BA643-B6E4-5F47-8F97-5B8A5CDFA610}" type="datetimeFigureOut">
               <a:rPr lang="en-US" smtClean="0"/>
               <a:pPr/>
-              <a:t>8/25/10</a:t>
+              <a:t>8/31/10</a:t>
             </a:fld>
             <a:endParaRPr lang="en-US"/>
           </a:p>
@@ -2688,7 +2688,7 @@
             <a:fld id="{3D7BA643-B6E4-5F47-8F97-5B8A5CDFA610}" type="datetimeFigureOut">
               <a:rPr lang="en-US" smtClean="0"/>
               <a:pPr/>
-              <a:t>8/25/10</a:t>
+              <a:t>8/31/10</a:t>
             </a:fld>
             <a:endParaRPr lang="en-US"/>
           </a:p>
@@ -3061,24 +3061,20 @@
       </p:grpSpPr>
       <p:sp>
         <p:nvSpPr>
-          <p:cNvPr id="2" name="Regular Pentagon 1"/>
+          <p:cNvPr id="3" name="Regular Pentagon 2"/>
           <p:cNvSpPr/>
           <p:nvPr/>
         </p:nvSpPr>
         <p:spPr>
           <a:xfrm>
-            <a:off x="1981200" y="426185"/>
-            <a:ext cx="1972705" cy="945177"/>
+            <a:off x="3304224" y="1444906"/>
+            <a:ext cx="2022813" cy="853588"/>
           </a:xfrm>
           <a:prstGeom prst="pentagon">
             <a:avLst/>
           </a:prstGeom>
-          <a:solidFill>
-            <a:schemeClr val="bg1">
-              <a:lumMod val="85000"/>
-            </a:schemeClr>
-          </a:solidFill>
-          <a:ln>
+          <a:noFill/>
+          <a:ln w="38100">
             <a:solidFill>
               <a:schemeClr val="tx1"/>
             </a:solidFill>
@@ -3103,50 +3099,6 @@
           <a:lstStyle/>
           <a:p>
             <a:pPr algn="ctr"/>
-            <a:endParaRPr lang="en-US"/>
-          </a:p>
-        </p:txBody>
-      </p:sp>
-      <p:sp>
-        <p:nvSpPr>
-          <p:cNvPr id="3" name="Regular Pentagon 2"/>
-          <p:cNvSpPr/>
-          <p:nvPr/>
-        </p:nvSpPr>
-        <p:spPr>
-          <a:xfrm>
-            <a:off x="3817198" y="1567697"/>
-            <a:ext cx="2022813" cy="853588"/>
-          </a:xfrm>
-          <a:prstGeom prst="pentagon">
-            <a:avLst/>
-          </a:prstGeom>
-          <a:noFill/>
-          <a:ln>
-            <a:solidFill>
-              <a:schemeClr val="tx1"/>
-            </a:solidFill>
-          </a:ln>
-        </p:spPr>
-        <p:style>
-          <a:lnRef idx="1">
-            <a:schemeClr val="accent1"/>
-          </a:lnRef>
-          <a:fillRef idx="3">
-            <a:schemeClr val="accent1"/>
-          </a:fillRef>
-          <a:effectRef idx="2">
-            <a:schemeClr val="accent1"/>
-          </a:effectRef>
-          <a:fontRef idx="minor">
-            <a:schemeClr val="lt1"/>
-          </a:fontRef>
-        </p:style>
-        <p:txBody>
-          <a:bodyPr rtlCol="0" anchor="ctr"/>
-          <a:lstStyle/>
-          <a:p>
-            <a:pPr algn="ctr"/>
             <a:endParaRPr lang="en-US" sz="1400"/>
           </a:p>
         </p:txBody>
@@ -3159,7 +3111,7 @@
         </p:nvSpPr>
         <p:spPr>
           <a:xfrm>
-            <a:off x="4055001" y="3114290"/>
+            <a:off x="3542027" y="2991499"/>
             <a:ext cx="1586492" cy="593704"/>
           </a:xfrm>
           <a:prstGeom prst="rect">
@@ -3195,118 +3147,16 @@
           </a:p>
         </p:txBody>
       </p:sp>
-      <p:sp>
-        <p:nvSpPr>
-          <p:cNvPr id="5" name="Rectangle 4"/>
-          <p:cNvSpPr/>
-          <p:nvPr/>
-        </p:nvSpPr>
-        <p:spPr>
-          <a:xfrm>
-            <a:off x="761999" y="2057159"/>
-            <a:ext cx="1595956" cy="579570"/>
-          </a:xfrm>
-          <a:prstGeom prst="rect">
-            <a:avLst/>
-          </a:prstGeom>
-          <a:solidFill>
-            <a:schemeClr val="bg1">
-              <a:lumMod val="85000"/>
-            </a:schemeClr>
-          </a:solidFill>
-          <a:ln>
-            <a:solidFill>
-              <a:schemeClr val="tx1"/>
-            </a:solidFill>
-          </a:ln>
-        </p:spPr>
-        <p:style>
-          <a:lnRef idx="1">
-            <a:schemeClr val="accent1"/>
-          </a:lnRef>
-          <a:fillRef idx="3">
-            <a:schemeClr val="accent1"/>
-          </a:fillRef>
-          <a:effectRef idx="2">
-            <a:schemeClr val="accent1"/>
-          </a:effectRef>
-          <a:fontRef idx="minor">
-            <a:schemeClr val="lt1"/>
-          </a:fontRef>
-        </p:style>
-        <p:txBody>
-          <a:bodyPr rtlCol="0" anchor="ctr"/>
-          <a:lstStyle/>
-          <a:p>
-            <a:pPr algn="ctr"/>
-            <a:endParaRPr lang="en-US" sz="1400"/>
-          </a:p>
-        </p:txBody>
-      </p:sp>
-      <p:sp>
-        <p:nvSpPr>
-          <p:cNvPr id="6" name="TextBox 5"/>
-          <p:cNvSpPr txBox="1"/>
-          <p:nvPr/>
-        </p:nvSpPr>
-        <p:spPr>
-          <a:xfrm>
-            <a:off x="2456858" y="733962"/>
-            <a:ext cx="954859" cy="307777"/>
-          </a:xfrm>
-          <a:prstGeom prst="rect">
-            <a:avLst/>
-          </a:prstGeom>
-          <a:noFill/>
-        </p:spPr>
-        <p:txBody>
-          <a:bodyPr wrap="none" rtlCol="0">
-            <a:spAutoFit/>
-          </a:bodyPr>
-          <a:lstStyle/>
-          <a:p>
-            <a:pPr lvl="0"/>
-            <a:r>
-              <a:rPr lang="en-US" sz="1400" dirty="0" smtClean="0"/>
-              <a:t> </a:t>
-            </a:r>
-            <a:r>
-              <a:rPr lang="en-US" sz="1400" dirty="0" err="1" smtClean="0">
-                <a:solidFill>
-                  <a:prstClr val="black"/>
-                </a:solidFill>
-              </a:rPr>
-              <a:t>HashMap</a:t>
-            </a:r>
-            <a:r>
-              <a:rPr lang="en-US" sz="1400" i="1" dirty="0" smtClean="0">
-                <a:solidFill>
-                  <a:prstClr val="black"/>
-                </a:solidFill>
-              </a:rPr>
-              <a:t> </a:t>
-            </a:r>
-            <a:endParaRPr lang="en-US" sz="1400" i="1" dirty="0">
-              <a:solidFill>
-                <a:prstClr val="black"/>
-              </a:solidFill>
-            </a:endParaRPr>
-          </a:p>
-        </p:txBody>
-      </p:sp>
       <p:cxnSp>
         <p:nvCxnSpPr>
           <p:cNvPr id="7" name="Straight Arrow Connector 6"/>
-          <p:cNvCxnSpPr>
-            <a:stCxn id="2" idx="4"/>
-            <a:endCxn id="3" idx="0"/>
-          </p:cNvCxnSpPr>
+          <p:cNvCxnSpPr/>
           <p:nvPr/>
         </p:nvCxnSpPr>
         <p:spPr>
-          <a:xfrm rot="16200000" flipH="1">
-            <a:off x="4104710" y="843801"/>
-            <a:ext cx="196337" cy="1251454"/>
+          <a:xfrm rot="5400000">
+            <a:off x="3930351" y="1060421"/>
+            <a:ext cx="768969" cy="2"/>
           </a:xfrm>
           <a:prstGeom prst="straightConnector1">
             <a:avLst/>
@@ -3344,7 +3194,7 @@
         </p:nvCxnSpPr>
         <p:spPr>
           <a:xfrm rot="16200000" flipH="1">
-            <a:off x="4491924" y="2757966"/>
+            <a:off x="3978950" y="2635175"/>
             <a:ext cx="693005" cy="19642"/>
           </a:xfrm>
           <a:prstGeom prst="straightConnector1">
@@ -3372,45 +3222,6 @@
           </a:fontRef>
         </p:style>
       </p:cxnSp>
-      <p:cxnSp>
-        <p:nvCxnSpPr>
-          <p:cNvPr id="9" name="Straight Arrow Connector 8"/>
-          <p:cNvCxnSpPr>
-            <a:stCxn id="2" idx="2"/>
-            <a:endCxn id="5" idx="0"/>
-          </p:cNvCxnSpPr>
-          <p:nvPr/>
-        </p:nvCxnSpPr>
-        <p:spPr>
-          <a:xfrm rot="5400000">
-            <a:off x="1616067" y="1315271"/>
-            <a:ext cx="685799" cy="797977"/>
-          </a:xfrm>
-          <a:prstGeom prst="straightConnector1">
-            <a:avLst/>
-          </a:prstGeom>
-          <a:ln>
-            <a:solidFill>
-              <a:schemeClr val="tx1"/>
-            </a:solidFill>
-            <a:tailEnd type="arrow"/>
-          </a:ln>
-        </p:spPr>
-        <p:style>
-          <a:lnRef idx="2">
-            <a:schemeClr val="accent1"/>
-          </a:lnRef>
-          <a:fillRef idx="0">
-            <a:schemeClr val="accent1"/>
-          </a:fillRef>
-          <a:effectRef idx="1">
-            <a:schemeClr val="accent1"/>
-          </a:effectRef>
-          <a:fontRef idx="minor">
-            <a:schemeClr val="tx1"/>
-          </a:fontRef>
-        </p:style>
-      </p:cxnSp>
       <p:sp>
         <p:nvSpPr>
           <p:cNvPr id="10" name="TextBox 9"/>
@@ -3419,7 +3230,7 @@
         </p:nvSpPr>
         <p:spPr>
           <a:xfrm>
-            <a:off x="3918366" y="4411418"/>
+            <a:off x="3405392" y="4288627"/>
             <a:ext cx="1818890" cy="523220"/>
           </a:xfrm>
           <a:prstGeom prst="rect">
@@ -3460,7 +3271,7 @@
         </p:nvSpPr>
         <p:spPr>
           <a:xfrm>
-            <a:off x="3984300" y="3114290"/>
+            <a:off x="3471326" y="2991499"/>
             <a:ext cx="1727894" cy="523220"/>
           </a:xfrm>
           <a:prstGeom prst="rect">
@@ -3494,43 +3305,13 @@
       </p:sp>
       <p:sp>
         <p:nvSpPr>
-          <p:cNvPr id="12" name="TextBox 11"/>
+          <p:cNvPr id="14" name="TextBox 13"/>
           <p:cNvSpPr txBox="1"/>
           <p:nvPr/>
         </p:nvSpPr>
         <p:spPr>
           <a:xfrm>
-            <a:off x="1268872" y="2113508"/>
-            <a:ext cx="710451" cy="307777"/>
-          </a:xfrm>
-          <a:prstGeom prst="rect">
-            <a:avLst/>
-          </a:prstGeom>
-          <a:noFill/>
-        </p:spPr>
-        <p:txBody>
-          <a:bodyPr wrap="none" rtlCol="0">
-            <a:spAutoFit/>
-          </a:bodyPr>
-          <a:lstStyle/>
-          <a:p>
-            <a:r>
-              <a:rPr lang="en-US" sz="1400" dirty="0" smtClean="0"/>
-              <a:t>Integer</a:t>
-            </a:r>
-            <a:endParaRPr lang="en-US" sz="1400" dirty="0"/>
-          </a:p>
-        </p:txBody>
-      </p:sp>
-      <p:sp>
-        <p:nvSpPr>
-          <p:cNvPr id="13" name="TextBox 12"/>
-          <p:cNvSpPr txBox="1"/>
-          <p:nvPr/>
-        </p:nvSpPr>
-        <p:spPr>
-          <a:xfrm>
-            <a:off x="1984745" y="1567697"/>
+            <a:off x="4252692" y="829351"/>
             <a:ext cx="775435" cy="307777"/>
           </a:xfrm>
           <a:prstGeom prst="rect">
@@ -3554,43 +3335,13 @@
       </p:sp>
       <p:sp>
         <p:nvSpPr>
-          <p:cNvPr id="14" name="TextBox 13"/>
-          <p:cNvSpPr txBox="1"/>
-          <p:nvPr/>
-        </p:nvSpPr>
-        <p:spPr>
-          <a:xfrm>
-            <a:off x="4076289" y="1106031"/>
-            <a:ext cx="775435" cy="307777"/>
-          </a:xfrm>
-          <a:prstGeom prst="rect">
-            <a:avLst/>
-          </a:prstGeom>
-          <a:noFill/>
-        </p:spPr>
-        <p:txBody>
-          <a:bodyPr wrap="none" rtlCol="0">
-            <a:spAutoFit/>
-          </a:bodyPr>
-          <a:lstStyle/>
-          <a:p>
-            <a:r>
-              <a:rPr lang="en-US" sz="1400" dirty="0" smtClean="0"/>
-              <a:t>100,000</a:t>
-            </a:r>
-            <a:endParaRPr lang="en-US" sz="1400" dirty="0"/>
-          </a:p>
-        </p:txBody>
-      </p:sp>
-      <p:sp>
-        <p:nvSpPr>
           <p:cNvPr id="15" name="TextBox 14"/>
           <p:cNvSpPr txBox="1"/>
           <p:nvPr/>
         </p:nvSpPr>
         <p:spPr>
           <a:xfrm>
-            <a:off x="4827811" y="2482840"/>
+            <a:off x="4314837" y="2360049"/>
             <a:ext cx="275661" cy="307777"/>
           </a:xfrm>
           <a:prstGeom prst="rect">
@@ -3614,72 +3365,13 @@
       </p:sp>
       <p:sp>
         <p:nvSpPr>
-          <p:cNvPr id="16" name="TextBox 15"/>
-          <p:cNvSpPr txBox="1"/>
-          <p:nvPr/>
-        </p:nvSpPr>
-        <p:spPr>
-          <a:xfrm>
-            <a:off x="6386650" y="1918659"/>
-            <a:ext cx="1828170" cy="276999"/>
-          </a:xfrm>
-          <a:prstGeom prst="rect">
-            <a:avLst/>
-          </a:prstGeom>
-          <a:noFill/>
-        </p:spPr>
-        <p:txBody>
-          <a:bodyPr wrap="none" rtlCol="0">
-            <a:spAutoFit/>
-          </a:bodyPr>
-          <a:lstStyle/>
-          <a:p>
-            <a:r>
-              <a:rPr lang="en-US" sz="1200" i="1" dirty="0" smtClean="0"/>
-              <a:t>8,000,000 bytes overhead</a:t>
-            </a:r>
-            <a:endParaRPr lang="en-US" sz="1200" i="1" dirty="0"/>
-          </a:p>
-        </p:txBody>
-      </p:sp>
-      <p:sp>
-        <p:nvSpPr>
-          <p:cNvPr id="17" name="TextBox 16"/>
-          <p:cNvSpPr txBox="1"/>
-          <p:nvPr/>
-        </p:nvSpPr>
-        <p:spPr>
-          <a:xfrm>
-            <a:off x="6464646" y="3214621"/>
-            <a:ext cx="1828170" cy="276999"/>
-          </a:xfrm>
-          <a:prstGeom prst="rect">
-            <a:avLst/>
-          </a:prstGeom>
-          <a:noFill/>
-        </p:spPr>
-        <p:txBody>
-          <a:bodyPr wrap="none" rtlCol="0">
-            <a:spAutoFit/>
-          </a:bodyPr>
-          <a:lstStyle/>
-          <a:p>
-            <a:r>
-              <a:rPr lang="en-US" sz="1200" i="1" dirty="0" smtClean="0"/>
-              <a:t>6,400,000 bytes overhead</a:t>
-            </a:r>
-          </a:p>
-        </p:txBody>
-      </p:sp>
-      <p:sp>
-        <p:nvSpPr>
           <p:cNvPr id="18" name="Regular Pentagon 17"/>
           <p:cNvSpPr/>
           <p:nvPr/>
         </p:nvSpPr>
         <p:spPr>
           <a:xfrm>
-            <a:off x="3817198" y="4165432"/>
+            <a:off x="3304224" y="4042641"/>
             <a:ext cx="2022813" cy="1038999"/>
           </a:xfrm>
           <a:prstGeom prst="pentagon">
@@ -3723,7 +3415,7 @@
         </p:nvSpPr>
         <p:spPr>
           <a:xfrm>
-            <a:off x="4055001" y="1672438"/>
+            <a:off x="3542027" y="1549647"/>
             <a:ext cx="1745878" cy="523220"/>
           </a:xfrm>
           <a:prstGeom prst="rect">
@@ -3766,7 +3458,7 @@
         </p:nvCxnSpPr>
         <p:spPr>
           <a:xfrm rot="16200000" flipH="1">
-            <a:off x="4620472" y="3935769"/>
+            <a:off x="4107498" y="3812978"/>
             <a:ext cx="457438" cy="1888"/>
           </a:xfrm>
           <a:prstGeom prst="straightConnector1">
@@ -3802,7 +3494,7 @@
         </p:nvSpPr>
         <p:spPr>
           <a:xfrm>
-            <a:off x="4851724" y="3707994"/>
+            <a:off x="4338750" y="3585203"/>
             <a:ext cx="301660" cy="369332"/>
           </a:xfrm>
           <a:prstGeom prst="rect">
@@ -3832,7 +3524,7 @@
         </p:nvSpPr>
         <p:spPr>
           <a:xfrm>
-            <a:off x="3903206" y="5688265"/>
+            <a:off x="3390232" y="5565474"/>
             <a:ext cx="1849209" cy="523220"/>
           </a:xfrm>
           <a:prstGeom prst="rect">
@@ -3872,7 +3564,7 @@
         </p:nvSpPr>
         <p:spPr>
           <a:xfrm>
-            <a:off x="3953906" y="5688265"/>
+            <a:off x="3440932" y="5565474"/>
             <a:ext cx="1783350" cy="593704"/>
           </a:xfrm>
           <a:prstGeom prst="rect">
@@ -3919,7 +3611,7 @@
         </p:nvCxnSpPr>
         <p:spPr>
           <a:xfrm rot="16200000" flipH="1">
-            <a:off x="4595176" y="5437860"/>
+            <a:off x="4082202" y="5315069"/>
             <a:ext cx="483834" cy="16976"/>
           </a:xfrm>
           <a:prstGeom prst="straightConnector1">
@@ -3955,7 +3647,7 @@
         </p:nvSpPr>
         <p:spPr>
           <a:xfrm>
-            <a:off x="4902183" y="5204431"/>
+            <a:off x="4389209" y="5081640"/>
             <a:ext cx="402578" cy="369332"/>
           </a:xfrm>
           <a:prstGeom prst="rect">
@@ -3979,14 +3671,14 @@
       </p:sp>
       <p:sp>
         <p:nvSpPr>
-          <p:cNvPr id="26" name="TextBox 25"/>
+          <p:cNvPr id="28" name="TextBox 27"/>
           <p:cNvSpPr txBox="1"/>
           <p:nvPr/>
         </p:nvSpPr>
         <p:spPr>
           <a:xfrm>
-            <a:off x="6464646" y="4433500"/>
-            <a:ext cx="1906166" cy="276999"/>
+            <a:off x="304800" y="4850807"/>
+            <a:ext cx="2277048" cy="1200329"/>
           </a:xfrm>
           <a:prstGeom prst="rect">
             <a:avLst/>
@@ -4000,107 +3692,50 @@
           <a:lstStyle/>
           <a:p>
             <a:r>
-              <a:rPr lang="en-US" sz="1200" i="1" dirty="0" smtClean="0"/>
-              <a:t>32,000,000 bytes overhead</a:t>
-            </a:r>
-            <a:endParaRPr lang="en-US" sz="1200" i="1" dirty="0"/>
-          </a:p>
-        </p:txBody>
-      </p:sp>
-      <p:sp>
-        <p:nvSpPr>
-          <p:cNvPr id="27" name="TextBox 26"/>
-          <p:cNvSpPr txBox="1"/>
+              <a:rPr lang="en-US" i="1" dirty="0" smtClean="0"/>
+              <a:t>Total size = 56.457MB</a:t>
+            </a:r>
+          </a:p>
+          <a:p>
+            <a:r>
+              <a:rPr lang="en-US" i="1" dirty="0" smtClean="0"/>
+              <a:t>Savings:  20.4%</a:t>
+            </a:r>
+          </a:p>
+          <a:p>
+            <a:endParaRPr lang="en-US" i="1" dirty="0" smtClean="0"/>
+          </a:p>
+          <a:p>
+            <a:endParaRPr lang="en-US" i="1" dirty="0"/>
+          </a:p>
+        </p:txBody>
+      </p:sp>
+      <p:sp>
+        <p:nvSpPr>
+          <p:cNvPr id="31" name="Rectangle 30"/>
+          <p:cNvSpPr/>
           <p:nvPr/>
         </p:nvSpPr>
         <p:spPr>
           <a:xfrm>
-            <a:off x="6464646" y="5573763"/>
-            <a:ext cx="1828170" cy="461665"/>
+            <a:off x="5486400" y="1549647"/>
+            <a:ext cx="3112551" cy="369332"/>
           </a:xfrm>
           <a:prstGeom prst="rect">
             <a:avLst/>
           </a:prstGeom>
-          <a:noFill/>
         </p:spPr>
         <p:txBody>
-          <a:bodyPr wrap="none" rtlCol="0">
+          <a:bodyPr wrap="none">
             <a:spAutoFit/>
           </a:bodyPr>
           <a:lstStyle/>
           <a:p>
             <a:r>
-              <a:rPr lang="en-US" sz="1200" i="1" dirty="0" smtClean="0"/>
-              <a:t>3,200,000 bytes data</a:t>
-            </a:r>
-          </a:p>
-          <a:p>
-            <a:r>
-              <a:rPr lang="en-US" sz="1200" i="1" dirty="0" smtClean="0"/>
-              <a:t>9,600,000 bytes overhead</a:t>
-            </a:r>
-            <a:endParaRPr lang="en-US" sz="1200" i="1" dirty="0"/>
-          </a:p>
-        </p:txBody>
-      </p:sp>
-      <p:sp>
-        <p:nvSpPr>
-          <p:cNvPr id="28" name="TextBox 27"/>
-          <p:cNvSpPr txBox="1"/>
-          <p:nvPr/>
-        </p:nvSpPr>
-        <p:spPr>
-          <a:xfrm>
-            <a:off x="914400" y="4411418"/>
-            <a:ext cx="1593580" cy="830997"/>
-          </a:xfrm>
-          <a:prstGeom prst="rect">
-            <a:avLst/>
-          </a:prstGeom>
-          <a:noFill/>
-        </p:spPr>
-        <p:txBody>
-          <a:bodyPr wrap="none" rtlCol="0">
-            <a:spAutoFit/>
-          </a:bodyPr>
-          <a:lstStyle/>
-          <a:p>
-            <a:r>
-              <a:rPr lang="en-US" sz="1200" i="1" dirty="0" smtClean="0"/>
-              <a:t>T</a:t>
-            </a:r>
-            <a:r>
-              <a:rPr lang="en-US" sz="1200" i="1" dirty="0" smtClean="0"/>
-              <a:t>otal </a:t>
-            </a:r>
-            <a:r>
-              <a:rPr lang="en-US" sz="1200" i="1" dirty="0" smtClean="0"/>
-              <a:t>size = 56.457MB</a:t>
-            </a:r>
-          </a:p>
-          <a:p>
-            <a:r>
-              <a:rPr lang="en-US" sz="1200" i="1" dirty="0" smtClean="0"/>
-              <a:t>Savings:  20.4%</a:t>
-            </a:r>
-          </a:p>
-          <a:p>
-            <a:endParaRPr lang="en-US" sz="1200" i="1" dirty="0" smtClean="0"/>
-          </a:p>
-          <a:p>
-            <a:r>
-              <a:rPr lang="en-US" sz="1200" i="1" dirty="0" smtClean="0"/>
-              <a:t>B</a:t>
-            </a:r>
-            <a:r>
-              <a:rPr lang="en-US" sz="1200" i="1" dirty="0" smtClean="0"/>
-              <a:t>loat </a:t>
-            </a:r>
-            <a:r>
-              <a:rPr lang="en-US" sz="1200" i="1" dirty="0" smtClean="0"/>
-              <a:t>factor = 94.6%</a:t>
-            </a:r>
-            <a:endParaRPr lang="en-US" sz="1200" i="1" dirty="0"/>
+              <a:rPr lang="en-US" i="1" dirty="0" smtClean="0"/>
+              <a:t>22.125MB reduced to 7.629MB</a:t>
+            </a:r>
+            <a:endParaRPr lang="en-US" dirty="0"/>
           </a:p>
         </p:txBody>
       </p:sp>
